--- a/JsReview/JsCrashCourse.pptx
+++ b/JsReview/JsCrashCourse.pptx
@@ -14065,17 +14065,18 @@
         </p:nvSpPr>
         <p:spPr>
           <a:xfrm>
-            <a:off x="6416040" y="4434840"/>
-            <a:ext cx="4941771" cy="1122202"/>
+            <a:off x="4981304" y="4434840"/>
+            <a:ext cx="6376508" cy="1122202"/>
           </a:xfrm>
         </p:spPr>
         <p:txBody>
           <a:bodyPr/>
           <a:lstStyle/>
           <a:p>
+            <a:pPr algn="r"/>
             <a:r>
               <a:rPr lang="en-US" dirty="0"/>
-              <a:t>JavaScript review</a:t>
+              <a:t>JavaScript Crash Course</a:t>
             </a:r>
           </a:p>
         </p:txBody>
@@ -14098,8 +14099,8 @@
         </p:nvSpPr>
         <p:spPr>
           <a:xfrm>
-            <a:off x="6416041" y="5586890"/>
-            <a:ext cx="4941770" cy="396660"/>
+            <a:off x="4981303" y="5586890"/>
+            <a:ext cx="6376508" cy="396660"/>
           </a:xfrm>
         </p:spPr>
         <p:txBody>
@@ -14108,6 +14109,7 @@
           </a:bodyPr>
           <a:lstStyle/>
           <a:p>
+            <a:pPr algn="r"/>
             <a:r>
               <a:rPr lang="en-US" dirty="0"/>
               <a:t>Hy-Tech Club: Web 103</a:t>
@@ -15963,7 +15965,7 @@
           <a:p>
             <a:r>
               <a:rPr lang="en-US" dirty="0"/>
-              <a:t>Conditionals</a:t>
+              <a:t>Conditional Statements</a:t>
             </a:r>
           </a:p>
           <a:p>
@@ -15974,10 +15976,9 @@
           </a:p>
           <a:p>
             <a:r>
-              <a:rPr lang="en-US"/>
+              <a:rPr lang="en-US" dirty="0"/>
               <a:t>For Loops</a:t>
             </a:r>
-            <a:endParaRPr lang="en-US" dirty="0"/>
           </a:p>
         </p:txBody>
       </p:sp>
